--- a/document/project.pptx
+++ b/document/project.pptx
@@ -289,7 +289,7 @@
           <a:p>
             <a:fld id="{27A3DC86-A332-426F-AA29-29ED9BE6C649}" type="datetimeFigureOut">
               <a:rPr lang="ko-KR" altLang="en-US" smtClean="0"/>
-              <a:t>2022-03-03</a:t>
+              <a:t>2022-03-08</a:t>
             </a:fld>
             <a:endParaRPr lang="ko-KR" altLang="en-US"/>
           </a:p>
@@ -459,7 +459,7 @@
           <a:p>
             <a:fld id="{27A3DC86-A332-426F-AA29-29ED9BE6C649}" type="datetimeFigureOut">
               <a:rPr lang="ko-KR" altLang="en-US" smtClean="0"/>
-              <a:t>2022-03-03</a:t>
+              <a:t>2022-03-08</a:t>
             </a:fld>
             <a:endParaRPr lang="ko-KR" altLang="en-US"/>
           </a:p>
@@ -639,7 +639,7 @@
           <a:p>
             <a:fld id="{27A3DC86-A332-426F-AA29-29ED9BE6C649}" type="datetimeFigureOut">
               <a:rPr lang="ko-KR" altLang="en-US" smtClean="0"/>
-              <a:t>2022-03-03</a:t>
+              <a:t>2022-03-08</a:t>
             </a:fld>
             <a:endParaRPr lang="ko-KR" altLang="en-US"/>
           </a:p>
@@ -809,7 +809,7 @@
           <a:p>
             <a:fld id="{27A3DC86-A332-426F-AA29-29ED9BE6C649}" type="datetimeFigureOut">
               <a:rPr lang="ko-KR" altLang="en-US" smtClean="0"/>
-              <a:t>2022-03-03</a:t>
+              <a:t>2022-03-08</a:t>
             </a:fld>
             <a:endParaRPr lang="ko-KR" altLang="en-US"/>
           </a:p>
@@ -1055,7 +1055,7 @@
           <a:p>
             <a:fld id="{27A3DC86-A332-426F-AA29-29ED9BE6C649}" type="datetimeFigureOut">
               <a:rPr lang="ko-KR" altLang="en-US" smtClean="0"/>
-              <a:t>2022-03-03</a:t>
+              <a:t>2022-03-08</a:t>
             </a:fld>
             <a:endParaRPr lang="ko-KR" altLang="en-US"/>
           </a:p>
@@ -1343,7 +1343,7 @@
           <a:p>
             <a:fld id="{27A3DC86-A332-426F-AA29-29ED9BE6C649}" type="datetimeFigureOut">
               <a:rPr lang="ko-KR" altLang="en-US" smtClean="0"/>
-              <a:t>2022-03-03</a:t>
+              <a:t>2022-03-08</a:t>
             </a:fld>
             <a:endParaRPr lang="ko-KR" altLang="en-US"/>
           </a:p>
@@ -1765,7 +1765,7 @@
           <a:p>
             <a:fld id="{27A3DC86-A332-426F-AA29-29ED9BE6C649}" type="datetimeFigureOut">
               <a:rPr lang="ko-KR" altLang="en-US" smtClean="0"/>
-              <a:t>2022-03-03</a:t>
+              <a:t>2022-03-08</a:t>
             </a:fld>
             <a:endParaRPr lang="ko-KR" altLang="en-US"/>
           </a:p>
@@ -1883,7 +1883,7 @@
           <a:p>
             <a:fld id="{27A3DC86-A332-426F-AA29-29ED9BE6C649}" type="datetimeFigureOut">
               <a:rPr lang="ko-KR" altLang="en-US" smtClean="0"/>
-              <a:t>2022-03-03</a:t>
+              <a:t>2022-03-08</a:t>
             </a:fld>
             <a:endParaRPr lang="ko-KR" altLang="en-US"/>
           </a:p>
@@ -1978,7 +1978,7 @@
           <a:p>
             <a:fld id="{27A3DC86-A332-426F-AA29-29ED9BE6C649}" type="datetimeFigureOut">
               <a:rPr lang="ko-KR" altLang="en-US" smtClean="0"/>
-              <a:t>2022-03-03</a:t>
+              <a:t>2022-03-08</a:t>
             </a:fld>
             <a:endParaRPr lang="ko-KR" altLang="en-US"/>
           </a:p>
@@ -2255,7 +2255,7 @@
           <a:p>
             <a:fld id="{27A3DC86-A332-426F-AA29-29ED9BE6C649}" type="datetimeFigureOut">
               <a:rPr lang="ko-KR" altLang="en-US" smtClean="0"/>
-              <a:t>2022-03-03</a:t>
+              <a:t>2022-03-08</a:t>
             </a:fld>
             <a:endParaRPr lang="ko-KR" altLang="en-US"/>
           </a:p>
@@ -2508,7 +2508,7 @@
           <a:p>
             <a:fld id="{27A3DC86-A332-426F-AA29-29ED9BE6C649}" type="datetimeFigureOut">
               <a:rPr lang="ko-KR" altLang="en-US" smtClean="0"/>
-              <a:t>2022-03-03</a:t>
+              <a:t>2022-03-08</a:t>
             </a:fld>
             <a:endParaRPr lang="ko-KR" altLang="en-US"/>
           </a:p>
@@ -2721,7 +2721,7 @@
           <a:p>
             <a:fld id="{27A3DC86-A332-426F-AA29-29ED9BE6C649}" type="datetimeFigureOut">
               <a:rPr lang="ko-KR" altLang="en-US" smtClean="0"/>
-              <a:t>2022-03-03</a:t>
+              <a:t>2022-03-08</a:t>
             </a:fld>
             <a:endParaRPr lang="ko-KR" altLang="en-US"/>
           </a:p>
@@ -4159,712 +4159,792 @@
           <a:chExt cx="0" cy="0"/>
         </a:xfrm>
       </p:grpSpPr>
-      <p:grpSp>
-        <p:nvGrpSpPr>
-          <p:cNvPr id="7" name="그룹 6"/>
-          <p:cNvGrpSpPr/>
+      <p:sp>
+        <p:nvSpPr>
+          <p:cNvPr id="14" name="직사각형 13"/>
+          <p:cNvSpPr/>
           <p:nvPr/>
-        </p:nvGrpSpPr>
-        <p:grpSpPr>
+        </p:nvSpPr>
+        <p:spPr>
+          <a:xfrm>
+            <a:off x="1255672" y="566792"/>
+            <a:ext cx="2016224" cy="850548"/>
+          </a:xfrm>
+          <a:prstGeom prst="rect">
+            <a:avLst/>
+          </a:prstGeom>
+          <a:solidFill>
+            <a:srgbClr val="F4BF3A"/>
+          </a:solidFill>
+          <a:ln>
+            <a:noFill/>
+          </a:ln>
+        </p:spPr>
+        <p:style>
+          <a:lnRef idx="2">
+            <a:schemeClr val="accent1">
+              <a:shade val="50000"/>
+            </a:schemeClr>
+          </a:lnRef>
+          <a:fillRef idx="1">
+            <a:schemeClr val="accent1"/>
+          </a:fillRef>
+          <a:effectRef idx="0">
+            <a:schemeClr val="accent1"/>
+          </a:effectRef>
+          <a:fontRef idx="minor">
+            <a:schemeClr val="lt1"/>
+          </a:fontRef>
+        </p:style>
+        <p:txBody>
+          <a:bodyPr rtlCol="0" anchor="ctr"/>
+          <a:lstStyle/>
+          <a:p>
+            <a:pPr algn="ctr"/>
+            <a:endParaRPr lang="ko-KR" altLang="en-US"/>
+          </a:p>
+        </p:txBody>
+      </p:sp>
+      <p:pic>
+        <p:nvPicPr>
+          <p:cNvPr id="2052" name="Picture 4"/>
+          <p:cNvPicPr>
+            <a:picLocks noChangeAspect="1" noChangeArrowheads="1"/>
+          </p:cNvPicPr>
+          <p:nvPr/>
+        </p:nvPicPr>
+        <p:blipFill>
+          <a:blip r:embed="rId2">
+            <a:extLst>
+              <a:ext uri="{28A0092B-C50C-407E-A947-70E740481C1C}">
+                <a14:useLocalDpi xmlns:a14="http://schemas.microsoft.com/office/drawing/2010/main" val="0"/>
+              </a:ext>
+            </a:extLst>
+          </a:blip>
+          <a:srcRect/>
+          <a:stretch>
+            <a:fillRect/>
+          </a:stretch>
+        </p:blipFill>
+        <p:spPr bwMode="auto">
+          <a:xfrm>
+            <a:off x="1414248" y="1746604"/>
+            <a:ext cx="1699071" cy="263422"/>
+          </a:xfrm>
+          <a:prstGeom prst="rect">
+            <a:avLst/>
+          </a:prstGeom>
+          <a:noFill/>
+          <a:ln>
+            <a:noFill/>
+          </a:ln>
+          <a:effectLst/>
+          <a:extLst>
+            <a:ext uri="{909E8E84-426E-40DD-AFC4-6F175D3DCCD1}">
+              <a14:hiddenFill xmlns:a14="http://schemas.microsoft.com/office/drawing/2010/main">
+                <a:solidFill>
+                  <a:schemeClr val="accent1"/>
+                </a:solidFill>
+              </a14:hiddenFill>
+            </a:ext>
+            <a:ext uri="{91240B29-F687-4F45-9708-019B960494DF}">
+              <a14:hiddenLine xmlns:a14="http://schemas.microsoft.com/office/drawing/2010/main" w="9525">
+                <a:solidFill>
+                  <a:schemeClr val="tx1"/>
+                </a:solidFill>
+                <a:miter lim="800000"/>
+                <a:headEnd/>
+                <a:tailEnd/>
+              </a14:hiddenLine>
+            </a:ext>
+            <a:ext uri="{AF507438-7753-43E0-B8FC-AC1667EBCBE1}">
+              <a14:hiddenEffects xmlns:a14="http://schemas.microsoft.com/office/drawing/2010/main">
+                <a:effectLst>
+                  <a:outerShdw dist="35921" dir="2700000" algn="ctr" rotWithShape="0">
+                    <a:schemeClr val="bg2"/>
+                  </a:outerShdw>
+                </a:effectLst>
+              </a14:hiddenEffects>
+            </a:ext>
+          </a:extLst>
+        </p:spPr>
+      </p:pic>
+      <p:pic>
+        <p:nvPicPr>
+          <p:cNvPr id="2053" name="Picture 5"/>
+          <p:cNvPicPr>
+            <a:picLocks noChangeAspect="1" noChangeArrowheads="1"/>
+          </p:cNvPicPr>
+          <p:nvPr/>
+        </p:nvPicPr>
+        <p:blipFill>
+          <a:blip r:embed="rId3" cstate="print">
+            <a:extLst>
+              <a:ext uri="{28A0092B-C50C-407E-A947-70E740481C1C}">
+                <a14:useLocalDpi xmlns:a14="http://schemas.microsoft.com/office/drawing/2010/main" val="0"/>
+              </a:ext>
+            </a:extLst>
+          </a:blip>
+          <a:srcRect/>
+          <a:stretch>
+            <a:fillRect/>
+          </a:stretch>
+        </p:blipFill>
+        <p:spPr bwMode="auto">
+          <a:xfrm>
+            <a:off x="1448523" y="2178652"/>
+            <a:ext cx="728692" cy="947300"/>
+          </a:xfrm>
+          <a:prstGeom prst="rect">
+            <a:avLst/>
+          </a:prstGeom>
+          <a:noFill/>
+          <a:ln>
+            <a:noFill/>
+          </a:ln>
+          <a:effectLst/>
+          <a:extLst>
+            <a:ext uri="{909E8E84-426E-40DD-AFC4-6F175D3DCCD1}">
+              <a14:hiddenFill xmlns:a14="http://schemas.microsoft.com/office/drawing/2010/main">
+                <a:solidFill>
+                  <a:schemeClr val="accent1"/>
+                </a:solidFill>
+              </a14:hiddenFill>
+            </a:ext>
+            <a:ext uri="{91240B29-F687-4F45-9708-019B960494DF}">
+              <a14:hiddenLine xmlns:a14="http://schemas.microsoft.com/office/drawing/2010/main" w="9525">
+                <a:solidFill>
+                  <a:schemeClr val="tx1"/>
+                </a:solidFill>
+                <a:miter lim="800000"/>
+                <a:headEnd/>
+                <a:tailEnd/>
+              </a14:hiddenLine>
+            </a:ext>
+            <a:ext uri="{AF507438-7753-43E0-B8FC-AC1667EBCBE1}">
+              <a14:hiddenEffects xmlns:a14="http://schemas.microsoft.com/office/drawing/2010/main">
+                <a:effectLst>
+                  <a:outerShdw dist="35921" dir="2700000" algn="ctr" rotWithShape="0">
+                    <a:schemeClr val="bg2"/>
+                  </a:outerShdw>
+                </a:effectLst>
+              </a14:hiddenEffects>
+            </a:ext>
+          </a:extLst>
+        </p:spPr>
+      </p:pic>
+      <p:pic>
+        <p:nvPicPr>
+          <p:cNvPr id="9" name="Picture 5"/>
+          <p:cNvPicPr>
+            <a:picLocks noChangeAspect="1" noChangeArrowheads="1"/>
+          </p:cNvPicPr>
+          <p:nvPr/>
+        </p:nvPicPr>
+        <p:blipFill>
+          <a:blip r:embed="rId3" cstate="print">
+            <a:extLst>
+              <a:ext uri="{28A0092B-C50C-407E-A947-70E740481C1C}">
+                <a14:useLocalDpi xmlns:a14="http://schemas.microsoft.com/office/drawing/2010/main" val="0"/>
+              </a:ext>
+            </a:extLst>
+          </a:blip>
+          <a:srcRect/>
+          <a:stretch>
+            <a:fillRect/>
+          </a:stretch>
+        </p:blipFill>
+        <p:spPr bwMode="auto">
+          <a:xfrm>
+            <a:off x="2312619" y="2178652"/>
+            <a:ext cx="728692" cy="947300"/>
+          </a:xfrm>
+          <a:prstGeom prst="rect">
+            <a:avLst/>
+          </a:prstGeom>
+          <a:noFill/>
+          <a:ln>
+            <a:noFill/>
+          </a:ln>
+          <a:effectLst/>
+          <a:extLst>
+            <a:ext uri="{909E8E84-426E-40DD-AFC4-6F175D3DCCD1}">
+              <a14:hiddenFill xmlns:a14="http://schemas.microsoft.com/office/drawing/2010/main">
+                <a:solidFill>
+                  <a:schemeClr val="accent1"/>
+                </a:solidFill>
+              </a14:hiddenFill>
+            </a:ext>
+            <a:ext uri="{91240B29-F687-4F45-9708-019B960494DF}">
+              <a14:hiddenLine xmlns:a14="http://schemas.microsoft.com/office/drawing/2010/main" w="9525">
+                <a:solidFill>
+                  <a:schemeClr val="tx1"/>
+                </a:solidFill>
+                <a:miter lim="800000"/>
+                <a:headEnd/>
+                <a:tailEnd/>
+              </a14:hiddenLine>
+            </a:ext>
+            <a:ext uri="{AF507438-7753-43E0-B8FC-AC1667EBCBE1}">
+              <a14:hiddenEffects xmlns:a14="http://schemas.microsoft.com/office/drawing/2010/main">
+                <a:effectLst>
+                  <a:outerShdw dist="35921" dir="2700000" algn="ctr" rotWithShape="0">
+                    <a:schemeClr val="bg2"/>
+                  </a:outerShdw>
+                </a:effectLst>
+              </a14:hiddenEffects>
+            </a:ext>
+          </a:extLst>
+        </p:spPr>
+      </p:pic>
+      <p:pic>
+        <p:nvPicPr>
+          <p:cNvPr id="10" name="Picture 5"/>
+          <p:cNvPicPr>
+            <a:picLocks noChangeAspect="1" noChangeArrowheads="1"/>
+          </p:cNvPicPr>
+          <p:nvPr/>
+        </p:nvPicPr>
+        <p:blipFill>
+          <a:blip r:embed="rId3" cstate="print">
+            <a:extLst>
+              <a:ext uri="{28A0092B-C50C-407E-A947-70E740481C1C}">
+                <a14:useLocalDpi xmlns:a14="http://schemas.microsoft.com/office/drawing/2010/main" val="0"/>
+              </a:ext>
+            </a:extLst>
+          </a:blip>
+          <a:srcRect/>
+          <a:stretch>
+            <a:fillRect/>
+          </a:stretch>
+        </p:blipFill>
+        <p:spPr bwMode="auto">
+          <a:xfrm>
+            <a:off x="1465519" y="3278352"/>
+            <a:ext cx="728692" cy="947300"/>
+          </a:xfrm>
+          <a:prstGeom prst="rect">
+            <a:avLst/>
+          </a:prstGeom>
+          <a:noFill/>
+          <a:ln>
+            <a:noFill/>
+          </a:ln>
+          <a:effectLst/>
+          <a:extLst>
+            <a:ext uri="{909E8E84-426E-40DD-AFC4-6F175D3DCCD1}">
+              <a14:hiddenFill xmlns:a14="http://schemas.microsoft.com/office/drawing/2010/main">
+                <a:solidFill>
+                  <a:schemeClr val="accent1"/>
+                </a:solidFill>
+              </a14:hiddenFill>
+            </a:ext>
+            <a:ext uri="{91240B29-F687-4F45-9708-019B960494DF}">
+              <a14:hiddenLine xmlns:a14="http://schemas.microsoft.com/office/drawing/2010/main" w="9525">
+                <a:solidFill>
+                  <a:schemeClr val="tx1"/>
+                </a:solidFill>
+                <a:miter lim="800000"/>
+                <a:headEnd/>
+                <a:tailEnd/>
+              </a14:hiddenLine>
+            </a:ext>
+            <a:ext uri="{AF507438-7753-43E0-B8FC-AC1667EBCBE1}">
+              <a14:hiddenEffects xmlns:a14="http://schemas.microsoft.com/office/drawing/2010/main">
+                <a:effectLst>
+                  <a:outerShdw dist="35921" dir="2700000" algn="ctr" rotWithShape="0">
+                    <a:schemeClr val="bg2"/>
+                  </a:outerShdw>
+                </a:effectLst>
+              </a14:hiddenEffects>
+            </a:ext>
+          </a:extLst>
+        </p:spPr>
+      </p:pic>
+      <p:pic>
+        <p:nvPicPr>
+          <p:cNvPr id="11" name="Picture 5"/>
+          <p:cNvPicPr>
+            <a:picLocks noChangeAspect="1" noChangeArrowheads="1"/>
+          </p:cNvPicPr>
+          <p:nvPr/>
+        </p:nvPicPr>
+        <p:blipFill>
+          <a:blip r:embed="rId3" cstate="print">
+            <a:extLst>
+              <a:ext uri="{28A0092B-C50C-407E-A947-70E740481C1C}">
+                <a14:useLocalDpi xmlns:a14="http://schemas.microsoft.com/office/drawing/2010/main" val="0"/>
+              </a:ext>
+            </a:extLst>
+          </a:blip>
+          <a:srcRect/>
+          <a:stretch>
+            <a:fillRect/>
+          </a:stretch>
+        </p:blipFill>
+        <p:spPr bwMode="auto">
+          <a:xfrm>
+            <a:off x="2329615" y="3278352"/>
+            <a:ext cx="728692" cy="947300"/>
+          </a:xfrm>
+          <a:prstGeom prst="rect">
+            <a:avLst/>
+          </a:prstGeom>
+          <a:noFill/>
+          <a:ln>
+            <a:noFill/>
+          </a:ln>
+          <a:effectLst/>
+          <a:extLst>
+            <a:ext uri="{909E8E84-426E-40DD-AFC4-6F175D3DCCD1}">
+              <a14:hiddenFill xmlns:a14="http://schemas.microsoft.com/office/drawing/2010/main">
+                <a:solidFill>
+                  <a:schemeClr val="accent1"/>
+                </a:solidFill>
+              </a14:hiddenFill>
+            </a:ext>
+            <a:ext uri="{91240B29-F687-4F45-9708-019B960494DF}">
+              <a14:hiddenLine xmlns:a14="http://schemas.microsoft.com/office/drawing/2010/main" w="9525">
+                <a:solidFill>
+                  <a:schemeClr val="tx1"/>
+                </a:solidFill>
+                <a:miter lim="800000"/>
+                <a:headEnd/>
+                <a:tailEnd/>
+              </a14:hiddenLine>
+            </a:ext>
+            <a:ext uri="{AF507438-7753-43E0-B8FC-AC1667EBCBE1}">
+              <a14:hiddenEffects xmlns:a14="http://schemas.microsoft.com/office/drawing/2010/main">
+                <a:effectLst>
+                  <a:outerShdw dist="35921" dir="2700000" algn="ctr" rotWithShape="0">
+                    <a:schemeClr val="bg2"/>
+                  </a:outerShdw>
+                </a:effectLst>
+              </a14:hiddenEffects>
+            </a:ext>
+          </a:extLst>
+        </p:spPr>
+      </p:pic>
+      <p:sp>
+        <p:nvSpPr>
+          <p:cNvPr id="5" name="직사각형 4"/>
+          <p:cNvSpPr/>
+          <p:nvPr/>
+        </p:nvSpPr>
+        <p:spPr>
+          <a:xfrm>
+            <a:off x="1255671" y="4061213"/>
+            <a:ext cx="2016224" cy="420852"/>
+          </a:xfrm>
+          <a:prstGeom prst="rect">
+            <a:avLst/>
+          </a:prstGeom>
+          <a:solidFill>
+            <a:srgbClr val="F4BF3A"/>
+          </a:solidFill>
+          <a:ln>
+            <a:noFill/>
+          </a:ln>
+        </p:spPr>
+        <p:style>
+          <a:lnRef idx="2">
+            <a:schemeClr val="accent1">
+              <a:shade val="50000"/>
+            </a:schemeClr>
+          </a:lnRef>
+          <a:fillRef idx="1">
+            <a:schemeClr val="accent1"/>
+          </a:fillRef>
+          <a:effectRef idx="0">
+            <a:schemeClr val="accent1"/>
+          </a:effectRef>
+          <a:fontRef idx="minor">
+            <a:schemeClr val="lt1"/>
+          </a:fontRef>
+        </p:style>
+        <p:txBody>
+          <a:bodyPr rtlCol="0" anchor="ctr"/>
+          <a:lstStyle/>
+          <a:p>
+            <a:pPr algn="ctr"/>
+            <a:endParaRPr lang="ko-KR" altLang="en-US"/>
+          </a:p>
+        </p:txBody>
+      </p:sp>
+      <p:pic>
+        <p:nvPicPr>
+          <p:cNvPr id="2051" name="Picture 3"/>
+          <p:cNvPicPr>
+            <a:picLocks noChangeAspect="1" noChangeArrowheads="1"/>
+          </p:cNvPicPr>
+          <p:nvPr/>
+        </p:nvPicPr>
+        <p:blipFill rotWithShape="1">
+          <a:blip r:embed="rId4" cstate="print">
+            <a:extLst>
+              <a:ext uri="{BEBA8EAE-BF5A-486C-A8C5-ECC9F3942E4B}">
+                <a14:imgProps xmlns:a14="http://schemas.microsoft.com/office/drawing/2010/main">
+                  <a14:imgLayer r:embed="rId5">
+                    <a14:imgEffect>
+                      <a14:backgroundRemoval t="58209" b="68377" l="22294" r="54862">
+                        <a14:foregroundMark x1="33945" y1="61101" x2="33028" y2="63713"/>
+                        <a14:foregroundMark x1="23761" y1="60448" x2="23578" y2="61847"/>
+                        <a14:foregroundMark x1="26055" y1="59701" x2="25413" y2="61754"/>
+                        <a14:foregroundMark x1="26789" y1="60075" x2="28440" y2="60075"/>
+                        <a14:foregroundMark x1="29358" y1="60634" x2="31835" y2="60634"/>
+                        <a14:foregroundMark x1="29174" y1="61474" x2="30642" y2="62593"/>
+                        <a14:foregroundMark x1="24404" y1="59142" x2="24220" y2="60168"/>
+                        <a14:foregroundMark x1="45505" y1="61847" x2="45321" y2="64272"/>
+                        <a14:foregroundMark x1="51835" y1="60541" x2="51835" y2="63433"/>
+                        <a14:foregroundMark x1="53486" y1="61660" x2="54954" y2="61007"/>
+                        <a14:foregroundMark x1="27798" y1="60728" x2="27798" y2="61847"/>
+                        <a14:backgroundMark x1="47248" y1="63246" x2="47248" y2="63246"/>
+                        <a14:backgroundMark x1="39083" y1="64739" x2="39083" y2="64739"/>
+                        <a14:backgroundMark x1="50183" y1="64086" x2="50183" y2="64086"/>
+                      </a14:backgroundRemoval>
+                    </a14:imgEffect>
+                  </a14:imgLayer>
+                </a14:imgProps>
+              </a:ext>
+              <a:ext uri="{28A0092B-C50C-407E-A947-70E740481C1C}">
+                <a14:useLocalDpi xmlns:a14="http://schemas.microsoft.com/office/drawing/2010/main" val="0"/>
+              </a:ext>
+            </a:extLst>
+          </a:blip>
+          <a:srcRect l="21669" t="57001" r="42542" b="30064"/>
+          <a:stretch/>
+        </p:blipFill>
+        <p:spPr bwMode="auto">
+          <a:xfrm>
+            <a:off x="1757355" y="964869"/>
+            <a:ext cx="1012859" cy="360040"/>
+          </a:xfrm>
+          <a:prstGeom prst="rect">
+            <a:avLst/>
+          </a:prstGeom>
+          <a:noFill/>
+          <a:ln>
+            <a:noFill/>
+          </a:ln>
+          <a:extLst>
+            <a:ext uri="{909E8E84-426E-40DD-AFC4-6F175D3DCCD1}">
+              <a14:hiddenFill xmlns:a14="http://schemas.microsoft.com/office/drawing/2010/main">
+                <a:solidFill>
+                  <a:schemeClr val="accent1"/>
+                </a:solidFill>
+              </a14:hiddenFill>
+            </a:ext>
+            <a:ext uri="{91240B29-F687-4F45-9708-019B960494DF}">
+              <a14:hiddenLine xmlns:a14="http://schemas.microsoft.com/office/drawing/2010/main" w="9525">
+                <a:solidFill>
+                  <a:schemeClr val="tx1"/>
+                </a:solidFill>
+                <a:miter lim="800000"/>
+                <a:headEnd/>
+                <a:tailEnd/>
+              </a14:hiddenLine>
+            </a:ext>
+          </a:extLst>
+        </p:spPr>
+      </p:pic>
+      <p:pic>
+        <p:nvPicPr>
+          <p:cNvPr id="2055" name="Picture 7" descr="장바구니 아이콘, 카트 아이콘, 쇼핑 아이콘, 쇼핑 PNG, 일러스트 및 벡터 에 대한 무료 다운로드 - Pngtree"/>
+          <p:cNvPicPr>
+            <a:picLocks noChangeAspect="1" noChangeArrowheads="1"/>
+          </p:cNvPicPr>
+          <p:nvPr/>
+        </p:nvPicPr>
+        <p:blipFill>
+          <a:blip r:embed="rId6" cstate="print">
+            <a:duotone>
+              <a:schemeClr val="accent6">
+                <a:shade val="45000"/>
+                <a:satMod val="135000"/>
+              </a:schemeClr>
+              <a:prstClr val="white"/>
+            </a:duotone>
+            <a:extLst>
+              <a:ext uri="{BEBA8EAE-BF5A-486C-A8C5-ECC9F3942E4B}">
+                <a14:imgProps xmlns:a14="http://schemas.microsoft.com/office/drawing/2010/main">
+                  <a14:imgLayer r:embed="rId7">
+                    <a14:imgEffect>
+                      <a14:backgroundRemoval t="10000" b="90000" l="10000" r="90000">
+                        <a14:foregroundMark x1="35781" y1="61406" x2="35781" y2="61406"/>
+                        <a14:foregroundMark x1="49531" y1="62969" x2="49531" y2="62969"/>
+                        <a14:foregroundMark x1="62344" y1="63438" x2="62344" y2="63438"/>
+                      </a14:backgroundRemoval>
+                    </a14:imgEffect>
+                  </a14:imgLayer>
+                </a14:imgProps>
+              </a:ext>
+              <a:ext uri="{28A0092B-C50C-407E-A947-70E740481C1C}">
+                <a14:useLocalDpi xmlns:a14="http://schemas.microsoft.com/office/drawing/2010/main" val="0"/>
+              </a:ext>
+            </a:extLst>
+          </a:blip>
+          <a:srcRect/>
+          <a:stretch>
+            <a:fillRect/>
+          </a:stretch>
+        </p:blipFill>
+        <p:spPr bwMode="auto">
+          <a:xfrm>
+            <a:off x="2711436" y="4061213"/>
+            <a:ext cx="321263" cy="321263"/>
+          </a:xfrm>
+          <a:prstGeom prst="rect">
+            <a:avLst/>
+          </a:prstGeom>
+          <a:noFill/>
+          <a:extLst>
+            <a:ext uri="{909E8E84-426E-40DD-AFC4-6F175D3DCCD1}">
+              <a14:hiddenFill xmlns:a14="http://schemas.microsoft.com/office/drawing/2010/main">
+                <a:solidFill>
+                  <a:srgbClr val="FFFFFF"/>
+                </a:solidFill>
+              </a14:hiddenFill>
+            </a:ext>
+          </a:extLst>
+        </p:spPr>
+      </p:pic>
+      <p:pic>
+        <p:nvPicPr>
+          <p:cNvPr id="2057" name="Picture 9" descr="전화, 전화 무료 아이콘 - Icon-Icons.com"/>
+          <p:cNvPicPr>
+            <a:picLocks noChangeAspect="1" noChangeArrowheads="1"/>
+          </p:cNvPicPr>
+          <p:nvPr/>
+        </p:nvPicPr>
+        <p:blipFill>
+          <a:blip r:embed="rId8" cstate="print">
+            <a:duotone>
+              <a:schemeClr val="accent6">
+                <a:shade val="45000"/>
+                <a:satMod val="135000"/>
+              </a:schemeClr>
+              <a:prstClr val="white"/>
+            </a:duotone>
+            <a:extLst>
+              <a:ext uri="{BEBA8EAE-BF5A-486C-A8C5-ECC9F3942E4B}">
+                <a14:imgProps xmlns:a14="http://schemas.microsoft.com/office/drawing/2010/main">
+                  <a14:imgLayer r:embed="rId9">
+                    <a14:imgEffect>
+                      <a14:backgroundRemoval t="10000" b="90000" l="10000" r="90000"/>
+                    </a14:imgEffect>
+                  </a14:imgLayer>
+                </a14:imgProps>
+              </a:ext>
+              <a:ext uri="{28A0092B-C50C-407E-A947-70E740481C1C}">
+                <a14:useLocalDpi xmlns:a14="http://schemas.microsoft.com/office/drawing/2010/main" val="0"/>
+              </a:ext>
+            </a:extLst>
+          </a:blip>
+          <a:srcRect/>
+          <a:stretch>
+            <a:fillRect/>
+          </a:stretch>
+        </p:blipFill>
+        <p:spPr bwMode="auto">
+          <a:xfrm>
+            <a:off x="1551686" y="4091252"/>
+            <a:ext cx="261183" cy="261183"/>
+          </a:xfrm>
+          <a:prstGeom prst="rect">
+            <a:avLst/>
+          </a:prstGeom>
+          <a:noFill/>
+          <a:extLst>
+            <a:ext uri="{909E8E84-426E-40DD-AFC4-6F175D3DCCD1}">
+              <a14:hiddenFill xmlns:a14="http://schemas.microsoft.com/office/drawing/2010/main">
+                <a:solidFill>
+                  <a:srgbClr val="FFFFFF"/>
+                </a:solidFill>
+              </a14:hiddenFill>
+            </a:ext>
+          </a:extLst>
+        </p:spPr>
+      </p:pic>
+      <p:pic>
+        <p:nvPicPr>
+          <p:cNvPr id="2061" name="Picture 13" descr="Arrow, up, on, a, black, circle, background Free Icon - Icon-Icons.com"/>
+          <p:cNvPicPr>
+            <a:picLocks noChangeAspect="1" noChangeArrowheads="1"/>
+          </p:cNvPicPr>
+          <p:nvPr/>
+        </p:nvPicPr>
+        <p:blipFill>
+          <a:blip r:embed="rId10" cstate="print">
+            <a:duotone>
+              <a:schemeClr val="accent6">
+                <a:shade val="45000"/>
+                <a:satMod val="135000"/>
+              </a:schemeClr>
+              <a:prstClr val="white"/>
+            </a:duotone>
+            <a:extLst>
+              <a:ext uri="{BEBA8EAE-BF5A-486C-A8C5-ECC9F3942E4B}">
+                <a14:imgProps xmlns:a14="http://schemas.microsoft.com/office/drawing/2010/main">
+                  <a14:imgLayer r:embed="rId11">
+                    <a14:imgEffect>
+                      <a14:backgroundRemoval t="0" b="100000" l="0" r="100000">
+                        <a14:foregroundMark x1="48000" y1="39556" x2="47111" y2="60000"/>
+                        <a14:foregroundMark x1="29333" y1="44444" x2="50667" y2="29778"/>
+                        <a14:foregroundMark x1="50667" y1="30667" x2="73333" y2="52444"/>
+                        <a14:foregroundMark x1="32222" y1="16667" x2="32222" y2="16667"/>
+                        <a14:foregroundMark x1="7778" y1="37778" x2="47778" y2="6667"/>
+                        <a14:foregroundMark x1="57778" y1="7778" x2="86667" y2="28889"/>
+                        <a14:foregroundMark x1="70000" y1="87778" x2="82222" y2="67778"/>
+                        <a14:foregroundMark x1="33333" y1="82222" x2="15556" y2="57778"/>
+                      </a14:backgroundRemoval>
+                    </a14:imgEffect>
+                  </a14:imgLayer>
+                </a14:imgProps>
+              </a:ext>
+              <a:ext uri="{28A0092B-C50C-407E-A947-70E740481C1C}">
+                <a14:useLocalDpi xmlns:a14="http://schemas.microsoft.com/office/drawing/2010/main" val="0"/>
+              </a:ext>
+            </a:extLst>
+          </a:blip>
+          <a:srcRect/>
+          <a:stretch>
+            <a:fillRect/>
+          </a:stretch>
+        </p:blipFill>
+        <p:spPr bwMode="auto">
+          <a:xfrm>
+            <a:off x="2077657" y="3975010"/>
+            <a:ext cx="372255" cy="372255"/>
+          </a:xfrm>
+          <a:prstGeom prst="rect">
+            <a:avLst/>
+          </a:prstGeom>
+          <a:noFill/>
+          <a:extLst>
+            <a:ext uri="{909E8E84-426E-40DD-AFC4-6F175D3DCCD1}">
+              <a14:hiddenFill xmlns:a14="http://schemas.microsoft.com/office/drawing/2010/main">
+                <a:solidFill>
+                  <a:srgbClr val="FFFFFF"/>
+                </a:solidFill>
+              </a14:hiddenFill>
+            </a:ext>
+          </a:extLst>
+        </p:spPr>
+      </p:pic>
+      <p:pic>
+        <p:nvPicPr>
+          <p:cNvPr id="2050" name="Picture 2" descr="Iphone Mockup Images | Free Vectors, Stock Photos &amp;amp;amp; PSD"/>
+          <p:cNvPicPr>
+            <a:picLocks noChangeAspect="1" noChangeArrowheads="1"/>
+          </p:cNvPicPr>
+          <p:nvPr/>
+        </p:nvPicPr>
+        <p:blipFill rotWithShape="1">
+          <a:blip r:embed="rId12">
+            <a:extLst>
+              <a:ext uri="{BEBA8EAE-BF5A-486C-A8C5-ECC9F3942E4B}">
+                <a14:imgProps xmlns:a14="http://schemas.microsoft.com/office/drawing/2010/main">
+                  <a14:imgLayer r:embed="rId13">
+                    <a14:imgEffect>
+                      <a14:backgroundRemoval t="2959" b="99112" l="296" r="99112">
+                        <a14:foregroundMark x1="18047" y1="26331" x2="18047" y2="26331"/>
+                        <a14:foregroundMark x1="13609" y1="13314" x2="18935" y2="65976"/>
+                        <a14:foregroundMark x1="81657" y1="20414" x2="84024" y2="78107"/>
+                        <a14:foregroundMark x1="13018" y1="18343" x2="22485" y2="3550"/>
+                        <a14:foregroundMark x1="18639" y1="9467" x2="62722" y2="4734"/>
+                        <a14:foregroundMark x1="76036" y1="7101" x2="90237" y2="22485"/>
+                        <a14:foregroundMark x1="81361" y1="43491" x2="84024" y2="74556"/>
+                        <a14:foregroundMark x1="76923" y1="79882" x2="81657" y2="95562"/>
+                        <a14:foregroundMark x1="28402" y1="93491" x2="2071" y2="70414"/>
+                        <a14:foregroundMark x1="7692" y1="26036" x2="7692" y2="26036"/>
+                        <a14:foregroundMark x1="5917" y1="36686" x2="5917" y2="36686"/>
+                        <a14:foregroundMark x1="5325" y1="7988" x2="17456" y2="91420"/>
+                        <a14:foregroundMark x1="98521" y1="4142" x2="99408" y2="99408"/>
+                        <a14:foregroundMark x1="94675" y1="97041" x2="296" y2="95858"/>
+                        <a14:foregroundMark x1="27811" y1="5917" x2="25444" y2="95562"/>
+                        <a14:foregroundMark x1="76331" y1="4734" x2="73077" y2="88757"/>
+                      </a14:backgroundRemoval>
+                    </a14:imgEffect>
+                  </a14:imgLayer>
+                </a14:imgProps>
+              </a:ext>
+              <a:ext uri="{28A0092B-C50C-407E-A947-70E740481C1C}">
+                <a14:useLocalDpi xmlns:a14="http://schemas.microsoft.com/office/drawing/2010/main" val="0"/>
+              </a:ext>
+            </a:extLst>
+          </a:blip>
+          <a:srcRect l="26320" t="8124" r="26776" b="8033"/>
+          <a:stretch/>
+        </p:blipFill>
+        <p:spPr bwMode="auto">
           <a:xfrm>
             <a:off x="1115291" y="566792"/>
             <a:ext cx="2274849" cy="4066478"/>
-            <a:chOff x="2870616" y="587215"/>
-            <a:chExt cx="2274849" cy="4066478"/>
-          </a:xfrm>
-        </p:grpSpPr>
-        <p:sp>
-          <p:nvSpPr>
-            <p:cNvPr id="5" name="직사각형 4"/>
-            <p:cNvSpPr/>
-            <p:nvPr/>
-          </p:nvSpPr>
-          <p:spPr>
-            <a:xfrm>
-              <a:off x="3010996" y="4081636"/>
-              <a:ext cx="2016224" cy="420852"/>
-            </a:xfrm>
-            <a:prstGeom prst="rect">
-              <a:avLst/>
-            </a:prstGeom>
-            <a:solidFill>
-              <a:srgbClr val="F4BF3A"/>
-            </a:solidFill>
-            <a:ln>
-              <a:noFill/>
-            </a:ln>
-          </p:spPr>
-          <p:style>
-            <a:lnRef idx="2">
-              <a:schemeClr val="accent1">
-                <a:shade val="50000"/>
-              </a:schemeClr>
-            </a:lnRef>
-            <a:fillRef idx="1">
-              <a:schemeClr val="accent1"/>
-            </a:fillRef>
-            <a:effectRef idx="0">
-              <a:schemeClr val="accent1"/>
-            </a:effectRef>
-            <a:fontRef idx="minor">
-              <a:schemeClr val="lt1"/>
-            </a:fontRef>
-          </p:style>
-          <p:txBody>
-            <a:bodyPr rtlCol="0" anchor="ctr"/>
-            <a:lstStyle/>
-            <a:p>
-              <a:pPr algn="ctr"/>
-              <a:endParaRPr lang="ko-KR" altLang="en-US"/>
-            </a:p>
-          </p:txBody>
-        </p:sp>
-        <p:pic>
-          <p:nvPicPr>
-            <p:cNvPr id="2051" name="Picture 3"/>
-            <p:cNvPicPr>
-              <a:picLocks noChangeAspect="1" noChangeArrowheads="1"/>
-            </p:cNvPicPr>
-            <p:nvPr/>
-          </p:nvPicPr>
-          <p:blipFill rotWithShape="1">
-            <a:blip r:embed="rId2" cstate="print">
-              <a:extLst>
-                <a:ext uri="{BEBA8EAE-BF5A-486C-A8C5-ECC9F3942E4B}">
-                  <a14:imgProps xmlns:a14="http://schemas.microsoft.com/office/drawing/2010/main">
-                    <a14:imgLayer r:embed="rId3">
-                      <a14:imgEffect>
-                        <a14:backgroundRemoval t="58209" b="68377" l="22294" r="54862">
-                          <a14:foregroundMark x1="33945" y1="61101" x2="33028" y2="63713"/>
-                          <a14:foregroundMark x1="23761" y1="60448" x2="23578" y2="61847"/>
-                          <a14:foregroundMark x1="26055" y1="59701" x2="25413" y2="61754"/>
-                          <a14:foregroundMark x1="26789" y1="60075" x2="28440" y2="60075"/>
-                          <a14:foregroundMark x1="29358" y1="60634" x2="31835" y2="60634"/>
-                          <a14:foregroundMark x1="29174" y1="61474" x2="30642" y2="62593"/>
-                          <a14:foregroundMark x1="24404" y1="59142" x2="24220" y2="60168"/>
-                          <a14:foregroundMark x1="45505" y1="61847" x2="45321" y2="64272"/>
-                          <a14:foregroundMark x1="51835" y1="60541" x2="51835" y2="63433"/>
-                          <a14:foregroundMark x1="53486" y1="61660" x2="54954" y2="61007"/>
-                          <a14:foregroundMark x1="27798" y1="60728" x2="27798" y2="61847"/>
-                          <a14:backgroundMark x1="47248" y1="63246" x2="47248" y2="63246"/>
-                          <a14:backgroundMark x1="39083" y1="64739" x2="39083" y2="64739"/>
-                          <a14:backgroundMark x1="50183" y1="64086" x2="50183" y2="64086"/>
-                        </a14:backgroundRemoval>
-                      </a14:imgEffect>
-                    </a14:imgLayer>
-                  </a14:imgProps>
-                </a:ext>
-                <a:ext uri="{28A0092B-C50C-407E-A947-70E740481C1C}">
-                  <a14:useLocalDpi xmlns:a14="http://schemas.microsoft.com/office/drawing/2010/main" val="0"/>
-                </a:ext>
-              </a:extLst>
-            </a:blip>
-            <a:srcRect l="21669" t="57001" r="42542" b="30064"/>
-            <a:stretch/>
-          </p:blipFill>
-          <p:spPr bwMode="auto">
-            <a:xfrm>
-              <a:off x="3512680" y="985292"/>
-              <a:ext cx="1012859" cy="360040"/>
-            </a:xfrm>
-            <a:prstGeom prst="rect">
-              <a:avLst/>
-            </a:prstGeom>
-            <a:noFill/>
-            <a:ln>
-              <a:noFill/>
-            </a:ln>
-            <a:extLst>
-              <a:ext uri="{909E8E84-426E-40DD-AFC4-6F175D3DCCD1}">
-                <a14:hiddenFill xmlns:a14="http://schemas.microsoft.com/office/drawing/2010/main">
-                  <a:solidFill>
-                    <a:schemeClr val="accent1"/>
-                  </a:solidFill>
-                </a14:hiddenFill>
-              </a:ext>
-              <a:ext uri="{91240B29-F687-4F45-9708-019B960494DF}">
-                <a14:hiddenLine xmlns:a14="http://schemas.microsoft.com/office/drawing/2010/main" w="9525">
-                  <a:solidFill>
-                    <a:schemeClr val="tx1"/>
-                  </a:solidFill>
-                  <a:miter lim="800000"/>
-                  <a:headEnd/>
-                  <a:tailEnd/>
-                </a14:hiddenLine>
-              </a:ext>
-            </a:extLst>
-          </p:spPr>
-        </p:pic>
-        <p:pic>
-          <p:nvPicPr>
-            <p:cNvPr id="2052" name="Picture 4"/>
-            <p:cNvPicPr>
-              <a:picLocks noChangeAspect="1" noChangeArrowheads="1"/>
-            </p:cNvPicPr>
-            <p:nvPr/>
-          </p:nvPicPr>
-          <p:blipFill>
-            <a:blip r:embed="rId4">
-              <a:extLst>
-                <a:ext uri="{28A0092B-C50C-407E-A947-70E740481C1C}">
-                  <a14:useLocalDpi xmlns:a14="http://schemas.microsoft.com/office/drawing/2010/main" val="0"/>
-                </a:ext>
-              </a:extLst>
-            </a:blip>
-            <a:srcRect/>
-            <a:stretch>
-              <a:fillRect/>
-            </a:stretch>
-          </p:blipFill>
-          <p:spPr bwMode="auto">
-            <a:xfrm>
-              <a:off x="3169573" y="1386564"/>
-              <a:ext cx="1699071" cy="263422"/>
-            </a:xfrm>
-            <a:prstGeom prst="rect">
-              <a:avLst/>
-            </a:prstGeom>
-            <a:noFill/>
-            <a:ln>
-              <a:noFill/>
-            </a:ln>
-            <a:effectLst/>
-            <a:extLst>
-              <a:ext uri="{909E8E84-426E-40DD-AFC4-6F175D3DCCD1}">
-                <a14:hiddenFill xmlns:a14="http://schemas.microsoft.com/office/drawing/2010/main">
-                  <a:solidFill>
-                    <a:schemeClr val="accent1"/>
-                  </a:solidFill>
-                </a14:hiddenFill>
-              </a:ext>
-              <a:ext uri="{91240B29-F687-4F45-9708-019B960494DF}">
-                <a14:hiddenLine xmlns:a14="http://schemas.microsoft.com/office/drawing/2010/main" w="9525">
-                  <a:solidFill>
-                    <a:schemeClr val="tx1"/>
-                  </a:solidFill>
-                  <a:miter lim="800000"/>
-                  <a:headEnd/>
-                  <a:tailEnd/>
-                </a14:hiddenLine>
-              </a:ext>
-              <a:ext uri="{AF507438-7753-43E0-B8FC-AC1667EBCBE1}">
-                <a14:hiddenEffects xmlns:a14="http://schemas.microsoft.com/office/drawing/2010/main">
-                  <a:effectLst>
-                    <a:outerShdw dist="35921" dir="2700000" algn="ctr" rotWithShape="0">
-                      <a:schemeClr val="bg2"/>
-                    </a:outerShdw>
-                  </a:effectLst>
-                </a14:hiddenEffects>
-              </a:ext>
-            </a:extLst>
-          </p:spPr>
-        </p:pic>
-        <p:pic>
-          <p:nvPicPr>
-            <p:cNvPr id="2053" name="Picture 5"/>
-            <p:cNvPicPr>
-              <a:picLocks noChangeAspect="1" noChangeArrowheads="1"/>
-            </p:cNvPicPr>
-            <p:nvPr/>
-          </p:nvPicPr>
-          <p:blipFill>
-            <a:blip r:embed="rId5" cstate="print">
-              <a:extLst>
-                <a:ext uri="{28A0092B-C50C-407E-A947-70E740481C1C}">
-                  <a14:useLocalDpi xmlns:a14="http://schemas.microsoft.com/office/drawing/2010/main" val="0"/>
-                </a:ext>
-              </a:extLst>
-            </a:blip>
-            <a:srcRect/>
-            <a:stretch>
-              <a:fillRect/>
-            </a:stretch>
-          </p:blipFill>
-          <p:spPr bwMode="auto">
-            <a:xfrm>
-              <a:off x="3203848" y="1818612"/>
-              <a:ext cx="728692" cy="947300"/>
-            </a:xfrm>
-            <a:prstGeom prst="rect">
-              <a:avLst/>
-            </a:prstGeom>
-            <a:noFill/>
-            <a:ln>
-              <a:noFill/>
-            </a:ln>
-            <a:effectLst/>
-            <a:extLst>
-              <a:ext uri="{909E8E84-426E-40DD-AFC4-6F175D3DCCD1}">
-                <a14:hiddenFill xmlns:a14="http://schemas.microsoft.com/office/drawing/2010/main">
-                  <a:solidFill>
-                    <a:schemeClr val="accent1"/>
-                  </a:solidFill>
-                </a14:hiddenFill>
-              </a:ext>
-              <a:ext uri="{91240B29-F687-4F45-9708-019B960494DF}">
-                <a14:hiddenLine xmlns:a14="http://schemas.microsoft.com/office/drawing/2010/main" w="9525">
-                  <a:solidFill>
-                    <a:schemeClr val="tx1"/>
-                  </a:solidFill>
-                  <a:miter lim="800000"/>
-                  <a:headEnd/>
-                  <a:tailEnd/>
-                </a14:hiddenLine>
-              </a:ext>
-              <a:ext uri="{AF507438-7753-43E0-B8FC-AC1667EBCBE1}">
-                <a14:hiddenEffects xmlns:a14="http://schemas.microsoft.com/office/drawing/2010/main">
-                  <a:effectLst>
-                    <a:outerShdw dist="35921" dir="2700000" algn="ctr" rotWithShape="0">
-                      <a:schemeClr val="bg2"/>
-                    </a:outerShdw>
-                  </a:effectLst>
-                </a14:hiddenEffects>
-              </a:ext>
-            </a:extLst>
-          </p:spPr>
-        </p:pic>
-        <p:pic>
-          <p:nvPicPr>
-            <p:cNvPr id="9" name="Picture 5"/>
-            <p:cNvPicPr>
-              <a:picLocks noChangeAspect="1" noChangeArrowheads="1"/>
-            </p:cNvPicPr>
-            <p:nvPr/>
-          </p:nvPicPr>
-          <p:blipFill>
-            <a:blip r:embed="rId5" cstate="print">
-              <a:extLst>
-                <a:ext uri="{28A0092B-C50C-407E-A947-70E740481C1C}">
-                  <a14:useLocalDpi xmlns:a14="http://schemas.microsoft.com/office/drawing/2010/main" val="0"/>
-                </a:ext>
-              </a:extLst>
-            </a:blip>
-            <a:srcRect/>
-            <a:stretch>
-              <a:fillRect/>
-            </a:stretch>
-          </p:blipFill>
-          <p:spPr bwMode="auto">
-            <a:xfrm>
-              <a:off x="4067944" y="1818612"/>
-              <a:ext cx="728692" cy="947300"/>
-            </a:xfrm>
-            <a:prstGeom prst="rect">
-              <a:avLst/>
-            </a:prstGeom>
-            <a:noFill/>
-            <a:ln>
-              <a:noFill/>
-            </a:ln>
-            <a:effectLst/>
-            <a:extLst>
-              <a:ext uri="{909E8E84-426E-40DD-AFC4-6F175D3DCCD1}">
-                <a14:hiddenFill xmlns:a14="http://schemas.microsoft.com/office/drawing/2010/main">
-                  <a:solidFill>
-                    <a:schemeClr val="accent1"/>
-                  </a:solidFill>
-                </a14:hiddenFill>
-              </a:ext>
-              <a:ext uri="{91240B29-F687-4F45-9708-019B960494DF}">
-                <a14:hiddenLine xmlns:a14="http://schemas.microsoft.com/office/drawing/2010/main" w="9525">
-                  <a:solidFill>
-                    <a:schemeClr val="tx1"/>
-                  </a:solidFill>
-                  <a:miter lim="800000"/>
-                  <a:headEnd/>
-                  <a:tailEnd/>
-                </a14:hiddenLine>
-              </a:ext>
-              <a:ext uri="{AF507438-7753-43E0-B8FC-AC1667EBCBE1}">
-                <a14:hiddenEffects xmlns:a14="http://schemas.microsoft.com/office/drawing/2010/main">
-                  <a:effectLst>
-                    <a:outerShdw dist="35921" dir="2700000" algn="ctr" rotWithShape="0">
-                      <a:schemeClr val="bg2"/>
-                    </a:outerShdw>
-                  </a:effectLst>
-                </a14:hiddenEffects>
-              </a:ext>
-            </a:extLst>
-          </p:spPr>
-        </p:pic>
-        <p:pic>
-          <p:nvPicPr>
-            <p:cNvPr id="10" name="Picture 5"/>
-            <p:cNvPicPr>
-              <a:picLocks noChangeAspect="1" noChangeArrowheads="1"/>
-            </p:cNvPicPr>
-            <p:nvPr/>
-          </p:nvPicPr>
-          <p:blipFill>
-            <a:blip r:embed="rId5" cstate="print">
-              <a:extLst>
-                <a:ext uri="{28A0092B-C50C-407E-A947-70E740481C1C}">
-                  <a14:useLocalDpi xmlns:a14="http://schemas.microsoft.com/office/drawing/2010/main" val="0"/>
-                </a:ext>
-              </a:extLst>
-            </a:blip>
-            <a:srcRect/>
-            <a:stretch>
-              <a:fillRect/>
-            </a:stretch>
-          </p:blipFill>
-          <p:spPr bwMode="auto">
-            <a:xfrm>
-              <a:off x="3220844" y="2918312"/>
-              <a:ext cx="728692" cy="947300"/>
-            </a:xfrm>
-            <a:prstGeom prst="rect">
-              <a:avLst/>
-            </a:prstGeom>
-            <a:noFill/>
-            <a:ln>
-              <a:noFill/>
-            </a:ln>
-            <a:effectLst/>
-            <a:extLst>
-              <a:ext uri="{909E8E84-426E-40DD-AFC4-6F175D3DCCD1}">
-                <a14:hiddenFill xmlns:a14="http://schemas.microsoft.com/office/drawing/2010/main">
-                  <a:solidFill>
-                    <a:schemeClr val="accent1"/>
-                  </a:solidFill>
-                </a14:hiddenFill>
-              </a:ext>
-              <a:ext uri="{91240B29-F687-4F45-9708-019B960494DF}">
-                <a14:hiddenLine xmlns:a14="http://schemas.microsoft.com/office/drawing/2010/main" w="9525">
-                  <a:solidFill>
-                    <a:schemeClr val="tx1"/>
-                  </a:solidFill>
-                  <a:miter lim="800000"/>
-                  <a:headEnd/>
-                  <a:tailEnd/>
-                </a14:hiddenLine>
-              </a:ext>
-              <a:ext uri="{AF507438-7753-43E0-B8FC-AC1667EBCBE1}">
-                <a14:hiddenEffects xmlns:a14="http://schemas.microsoft.com/office/drawing/2010/main">
-                  <a:effectLst>
-                    <a:outerShdw dist="35921" dir="2700000" algn="ctr" rotWithShape="0">
-                      <a:schemeClr val="bg2"/>
-                    </a:outerShdw>
-                  </a:effectLst>
-                </a14:hiddenEffects>
-              </a:ext>
-            </a:extLst>
-          </p:spPr>
-        </p:pic>
-        <p:pic>
-          <p:nvPicPr>
-            <p:cNvPr id="11" name="Picture 5"/>
-            <p:cNvPicPr>
-              <a:picLocks noChangeAspect="1" noChangeArrowheads="1"/>
-            </p:cNvPicPr>
-            <p:nvPr/>
-          </p:nvPicPr>
-          <p:blipFill>
-            <a:blip r:embed="rId5" cstate="print">
-              <a:extLst>
-                <a:ext uri="{28A0092B-C50C-407E-A947-70E740481C1C}">
-                  <a14:useLocalDpi xmlns:a14="http://schemas.microsoft.com/office/drawing/2010/main" val="0"/>
-                </a:ext>
-              </a:extLst>
-            </a:blip>
-            <a:srcRect/>
-            <a:stretch>
-              <a:fillRect/>
-            </a:stretch>
-          </p:blipFill>
-          <p:spPr bwMode="auto">
-            <a:xfrm>
-              <a:off x="4084940" y="2918312"/>
-              <a:ext cx="728692" cy="947300"/>
-            </a:xfrm>
-            <a:prstGeom prst="rect">
-              <a:avLst/>
-            </a:prstGeom>
-            <a:noFill/>
-            <a:ln>
-              <a:noFill/>
-            </a:ln>
-            <a:effectLst/>
-            <a:extLst>
-              <a:ext uri="{909E8E84-426E-40DD-AFC4-6F175D3DCCD1}">
-                <a14:hiddenFill xmlns:a14="http://schemas.microsoft.com/office/drawing/2010/main">
-                  <a:solidFill>
-                    <a:schemeClr val="accent1"/>
-                  </a:solidFill>
-                </a14:hiddenFill>
-              </a:ext>
-              <a:ext uri="{91240B29-F687-4F45-9708-019B960494DF}">
-                <a14:hiddenLine xmlns:a14="http://schemas.microsoft.com/office/drawing/2010/main" w="9525">
-                  <a:solidFill>
-                    <a:schemeClr val="tx1"/>
-                  </a:solidFill>
-                  <a:miter lim="800000"/>
-                  <a:headEnd/>
-                  <a:tailEnd/>
-                </a14:hiddenLine>
-              </a:ext>
-              <a:ext uri="{AF507438-7753-43E0-B8FC-AC1667EBCBE1}">
-                <a14:hiddenEffects xmlns:a14="http://schemas.microsoft.com/office/drawing/2010/main">
-                  <a:effectLst>
-                    <a:outerShdw dist="35921" dir="2700000" algn="ctr" rotWithShape="0">
-                      <a:schemeClr val="bg2"/>
-                    </a:outerShdw>
-                  </a:effectLst>
-                </a14:hiddenEffects>
-              </a:ext>
-            </a:extLst>
-          </p:spPr>
-        </p:pic>
-        <p:pic>
-          <p:nvPicPr>
-            <p:cNvPr id="2050" name="Picture 2" descr="Iphone Mockup Images | Free Vectors, Stock Photos &amp;amp;amp; PSD"/>
-            <p:cNvPicPr>
-              <a:picLocks noChangeAspect="1" noChangeArrowheads="1"/>
-            </p:cNvPicPr>
-            <p:nvPr/>
-          </p:nvPicPr>
-          <p:blipFill rotWithShape="1">
-            <a:blip r:embed="rId6">
-              <a:extLst>
-                <a:ext uri="{BEBA8EAE-BF5A-486C-A8C5-ECC9F3942E4B}">
-                  <a14:imgProps xmlns:a14="http://schemas.microsoft.com/office/drawing/2010/main">
-                    <a14:imgLayer r:embed="rId7">
-                      <a14:imgEffect>
-                        <a14:backgroundRemoval t="2959" b="99112" l="296" r="99112">
-                          <a14:foregroundMark x1="18047" y1="26331" x2="18047" y2="26331"/>
-                          <a14:foregroundMark x1="13609" y1="13314" x2="18935" y2="65976"/>
-                          <a14:foregroundMark x1="81657" y1="20414" x2="84024" y2="78107"/>
-                          <a14:foregroundMark x1="13018" y1="18343" x2="22485" y2="3550"/>
-                          <a14:foregroundMark x1="18639" y1="9467" x2="62722" y2="4734"/>
-                          <a14:foregroundMark x1="76036" y1="7101" x2="90237" y2="22485"/>
-                          <a14:foregroundMark x1="81361" y1="43491" x2="84024" y2="74556"/>
-                          <a14:foregroundMark x1="76923" y1="79882" x2="81657" y2="95562"/>
-                          <a14:foregroundMark x1="28402" y1="93491" x2="2071" y2="70414"/>
-                          <a14:foregroundMark x1="7692" y1="26036" x2="7692" y2="26036"/>
-                          <a14:foregroundMark x1="5917" y1="36686" x2="5917" y2="36686"/>
-                          <a14:foregroundMark x1="5325" y1="7988" x2="17456" y2="91420"/>
-                          <a14:foregroundMark x1="98521" y1="4142" x2="99408" y2="99408"/>
-                          <a14:foregroundMark x1="94675" y1="97041" x2="296" y2="95858"/>
-                          <a14:foregroundMark x1="27811" y1="5917" x2="25444" y2="95562"/>
-                          <a14:foregroundMark x1="76331" y1="4734" x2="73077" y2="88757"/>
-                        </a14:backgroundRemoval>
-                      </a14:imgEffect>
-                    </a14:imgLayer>
-                  </a14:imgProps>
-                </a:ext>
-                <a:ext uri="{28A0092B-C50C-407E-A947-70E740481C1C}">
-                  <a14:useLocalDpi xmlns:a14="http://schemas.microsoft.com/office/drawing/2010/main" val="0"/>
-                </a:ext>
-              </a:extLst>
-            </a:blip>
-            <a:srcRect l="26320" t="8124" r="26776" b="8033"/>
-            <a:stretch/>
-          </p:blipFill>
-          <p:spPr bwMode="auto">
-            <a:xfrm>
-              <a:off x="2870616" y="587215"/>
-              <a:ext cx="2274849" cy="4066478"/>
-            </a:xfrm>
-            <a:prstGeom prst="rect">
-              <a:avLst/>
-            </a:prstGeom>
-            <a:noFill/>
-            <a:extLst>
-              <a:ext uri="{909E8E84-426E-40DD-AFC4-6F175D3DCCD1}">
-                <a14:hiddenFill xmlns:a14="http://schemas.microsoft.com/office/drawing/2010/main">
-                  <a:solidFill>
-                    <a:srgbClr val="FFFFFF"/>
-                  </a:solidFill>
-                </a14:hiddenFill>
-              </a:ext>
-            </a:extLst>
-          </p:spPr>
-        </p:pic>
-        <p:pic>
-          <p:nvPicPr>
-            <p:cNvPr id="2055" name="Picture 7" descr="장바구니 아이콘, 카트 아이콘, 쇼핑 아이콘, 쇼핑 PNG, 일러스트 및 벡터 에 대한 무료 다운로드 - Pngtree"/>
-            <p:cNvPicPr>
-              <a:picLocks noChangeAspect="1" noChangeArrowheads="1"/>
-            </p:cNvPicPr>
-            <p:nvPr/>
-          </p:nvPicPr>
-          <p:blipFill>
-            <a:blip r:embed="rId8" cstate="print">
-              <a:duotone>
-                <a:schemeClr val="accent6">
-                  <a:shade val="45000"/>
-                  <a:satMod val="135000"/>
+          </a:xfrm>
+          <a:prstGeom prst="rect">
+            <a:avLst/>
+          </a:prstGeom>
+          <a:noFill/>
+          <a:extLst>
+            <a:ext uri="{909E8E84-426E-40DD-AFC4-6F175D3DCCD1}">
+              <a14:hiddenFill xmlns:a14="http://schemas.microsoft.com/office/drawing/2010/main">
+                <a:solidFill>
+                  <a:srgbClr val="FFFFFF"/>
+                </a:solidFill>
+              </a14:hiddenFill>
+            </a:ext>
+          </a:extLst>
+        </p:spPr>
+      </p:pic>
+      <p:sp>
+        <p:nvSpPr>
+          <p:cNvPr id="2" name="TextBox 1"/>
+          <p:cNvSpPr txBox="1"/>
+          <p:nvPr/>
+        </p:nvSpPr>
+        <p:spPr>
+          <a:xfrm>
+            <a:off x="1640647" y="1453621"/>
+            <a:ext cx="1224136" cy="261610"/>
+          </a:xfrm>
+          <a:prstGeom prst="rect">
+            <a:avLst/>
+          </a:prstGeom>
+          <a:noFill/>
+        </p:spPr>
+        <p:txBody>
+          <a:bodyPr wrap="square" rtlCol="0">
+            <a:spAutoFit/>
+          </a:bodyPr>
+          <a:lstStyle/>
+          <a:p>
+            <a:pPr algn="ctr"/>
+            <a:r>
+              <a:rPr lang="ko-KR" altLang="en-US" sz="1100" dirty="0" smtClean="0">
+                <a:solidFill>
+                  <a:schemeClr val="tx1">
+                    <a:lumMod val="65000"/>
+                    <a:lumOff val="35000"/>
+                  </a:schemeClr>
+                </a:solidFill>
+                <a:latin typeface="휴먼모음T" panose="02030504000101010101" pitchFamily="18" charset="-127"/>
+                <a:ea typeface="휴먼모음T" panose="02030504000101010101" pitchFamily="18" charset="-127"/>
+              </a:rPr>
+              <a:t>메뉴</a:t>
+            </a:r>
+            <a:endParaRPr lang="ko-KR" altLang="en-US" sz="1100" dirty="0">
+              <a:solidFill>
+                <a:schemeClr val="tx1">
+                  <a:lumMod val="65000"/>
+                  <a:lumOff val="35000"/>
                 </a:schemeClr>
-                <a:prstClr val="white"/>
-              </a:duotone>
-              <a:extLst>
-                <a:ext uri="{BEBA8EAE-BF5A-486C-A8C5-ECC9F3942E4B}">
-                  <a14:imgProps xmlns:a14="http://schemas.microsoft.com/office/drawing/2010/main">
-                    <a14:imgLayer r:embed="rId9">
-                      <a14:imgEffect>
-                        <a14:backgroundRemoval t="10000" b="90000" l="10000" r="90000">
-                          <a14:foregroundMark x1="35781" y1="61406" x2="35781" y2="61406"/>
-                          <a14:foregroundMark x1="49531" y1="62969" x2="49531" y2="62969"/>
-                          <a14:foregroundMark x1="62344" y1="63438" x2="62344" y2="63438"/>
-                        </a14:backgroundRemoval>
-                      </a14:imgEffect>
-                    </a14:imgLayer>
-                  </a14:imgProps>
-                </a:ext>
-                <a:ext uri="{28A0092B-C50C-407E-A947-70E740481C1C}">
-                  <a14:useLocalDpi xmlns:a14="http://schemas.microsoft.com/office/drawing/2010/main" val="0"/>
-                </a:ext>
-              </a:extLst>
-            </a:blip>
-            <a:srcRect/>
-            <a:stretch>
-              <a:fillRect/>
-            </a:stretch>
-          </p:blipFill>
-          <p:spPr bwMode="auto">
-            <a:xfrm>
-              <a:off x="4466761" y="4081636"/>
-              <a:ext cx="321263" cy="321263"/>
-            </a:xfrm>
-            <a:prstGeom prst="rect">
-              <a:avLst/>
-            </a:prstGeom>
-            <a:noFill/>
-            <a:extLst>
-              <a:ext uri="{909E8E84-426E-40DD-AFC4-6F175D3DCCD1}">
-                <a14:hiddenFill xmlns:a14="http://schemas.microsoft.com/office/drawing/2010/main">
-                  <a:solidFill>
-                    <a:srgbClr val="FFFFFF"/>
-                  </a:solidFill>
-                </a14:hiddenFill>
-              </a:ext>
-            </a:extLst>
-          </p:spPr>
-        </p:pic>
-        <p:pic>
-          <p:nvPicPr>
-            <p:cNvPr id="2057" name="Picture 9" descr="전화, 전화 무료 아이콘 - Icon-Icons.com"/>
-            <p:cNvPicPr>
-              <a:picLocks noChangeAspect="1" noChangeArrowheads="1"/>
-            </p:cNvPicPr>
-            <p:nvPr/>
-          </p:nvPicPr>
-          <p:blipFill>
-            <a:blip r:embed="rId10" cstate="print">
-              <a:duotone>
-                <a:schemeClr val="accent6">
-                  <a:shade val="45000"/>
-                  <a:satMod val="135000"/>
-                </a:schemeClr>
-                <a:prstClr val="white"/>
-              </a:duotone>
-              <a:extLst>
-                <a:ext uri="{BEBA8EAE-BF5A-486C-A8C5-ECC9F3942E4B}">
-                  <a14:imgProps xmlns:a14="http://schemas.microsoft.com/office/drawing/2010/main">
-                    <a14:imgLayer r:embed="rId11">
-                      <a14:imgEffect>
-                        <a14:backgroundRemoval t="10000" b="90000" l="10000" r="90000"/>
-                      </a14:imgEffect>
-                    </a14:imgLayer>
-                  </a14:imgProps>
-                </a:ext>
-                <a:ext uri="{28A0092B-C50C-407E-A947-70E740481C1C}">
-                  <a14:useLocalDpi xmlns:a14="http://schemas.microsoft.com/office/drawing/2010/main" val="0"/>
-                </a:ext>
-              </a:extLst>
-            </a:blip>
-            <a:srcRect/>
-            <a:stretch>
-              <a:fillRect/>
-            </a:stretch>
-          </p:blipFill>
-          <p:spPr bwMode="auto">
-            <a:xfrm>
-              <a:off x="3307011" y="4111675"/>
-              <a:ext cx="261183" cy="261183"/>
-            </a:xfrm>
-            <a:prstGeom prst="rect">
-              <a:avLst/>
-            </a:prstGeom>
-            <a:noFill/>
-            <a:extLst>
-              <a:ext uri="{909E8E84-426E-40DD-AFC4-6F175D3DCCD1}">
-                <a14:hiddenFill xmlns:a14="http://schemas.microsoft.com/office/drawing/2010/main">
-                  <a:solidFill>
-                    <a:srgbClr val="FFFFFF"/>
-                  </a:solidFill>
-                </a14:hiddenFill>
-              </a:ext>
-            </a:extLst>
-          </p:spPr>
-        </p:pic>
-        <p:pic>
-          <p:nvPicPr>
-            <p:cNvPr id="2061" name="Picture 13" descr="Arrow, up, on, a, black, circle, background Free Icon - Icon-Icons.com"/>
-            <p:cNvPicPr>
-              <a:picLocks noChangeAspect="1" noChangeArrowheads="1"/>
-            </p:cNvPicPr>
-            <p:nvPr/>
-          </p:nvPicPr>
-          <p:blipFill>
-            <a:blip r:embed="rId12" cstate="print">
-              <a:duotone>
-                <a:schemeClr val="accent6">
-                  <a:shade val="45000"/>
-                  <a:satMod val="135000"/>
-                </a:schemeClr>
-                <a:prstClr val="white"/>
-              </a:duotone>
-              <a:extLst>
-                <a:ext uri="{BEBA8EAE-BF5A-486C-A8C5-ECC9F3942E4B}">
-                  <a14:imgProps xmlns:a14="http://schemas.microsoft.com/office/drawing/2010/main">
-                    <a14:imgLayer r:embed="rId13">
-                      <a14:imgEffect>
-                        <a14:backgroundRemoval t="0" b="100000" l="0" r="100000">
-                          <a14:foregroundMark x1="48000" y1="39556" x2="47111" y2="60000"/>
-                          <a14:foregroundMark x1="29333" y1="44444" x2="50667" y2="29778"/>
-                          <a14:foregroundMark x1="50667" y1="30667" x2="73333" y2="52444"/>
-                          <a14:foregroundMark x1="32222" y1="16667" x2="32222" y2="16667"/>
-                          <a14:foregroundMark x1="7778" y1="37778" x2="47778" y2="6667"/>
-                          <a14:foregroundMark x1="57778" y1="7778" x2="86667" y2="28889"/>
-                          <a14:foregroundMark x1="70000" y1="87778" x2="82222" y2="67778"/>
-                          <a14:foregroundMark x1="33333" y1="82222" x2="15556" y2="57778"/>
-                        </a14:backgroundRemoval>
-                      </a14:imgEffect>
-                    </a14:imgLayer>
-                  </a14:imgProps>
-                </a:ext>
-                <a:ext uri="{28A0092B-C50C-407E-A947-70E740481C1C}">
-                  <a14:useLocalDpi xmlns:a14="http://schemas.microsoft.com/office/drawing/2010/main" val="0"/>
-                </a:ext>
-              </a:extLst>
-            </a:blip>
-            <a:srcRect/>
-            <a:stretch>
-              <a:fillRect/>
-            </a:stretch>
-          </p:blipFill>
-          <p:spPr bwMode="auto">
-            <a:xfrm>
-              <a:off x="3832982" y="3995433"/>
-              <a:ext cx="372255" cy="372255"/>
-            </a:xfrm>
-            <a:prstGeom prst="rect">
-              <a:avLst/>
-            </a:prstGeom>
-            <a:noFill/>
-            <a:extLst>
-              <a:ext uri="{909E8E84-426E-40DD-AFC4-6F175D3DCCD1}">
-                <a14:hiddenFill xmlns:a14="http://schemas.microsoft.com/office/drawing/2010/main">
-                  <a:solidFill>
-                    <a:srgbClr val="FFFFFF"/>
-                  </a:solidFill>
-                </a14:hiddenFill>
-              </a:ext>
-            </a:extLst>
-          </p:spPr>
-        </p:pic>
-      </p:grpSp>
+              </a:solidFill>
+              <a:latin typeface="휴먼모음T" panose="02030504000101010101" pitchFamily="18" charset="-127"/>
+              <a:ea typeface="휴먼모음T" panose="02030504000101010101" pitchFamily="18" charset="-127"/>
+            </a:endParaRPr>
+          </a:p>
+        </p:txBody>
+      </p:sp>
     </p:spTree>
     <p:extLst>
       <p:ext uri="{BB962C8B-B14F-4D97-AF65-F5344CB8AC3E}">
